--- a/Other Files/Context Diagram Capstone.pptx
+++ b/Other Files/Context Diagram Capstone.pptx
@@ -243,7 +243,7 @@
           <a:p>
             <a:fld id="{F1F53264-0F48-4F49-9FF4-6A31D4E36D4A}" type="datetimeFigureOut">
               <a:rPr lang="en-US" smtClean="0"/>
-              <a:t>11/3/2024</a:t>
+              <a:t>1/19/2025</a:t>
             </a:fld>
             <a:endParaRPr lang="en-US"/>
           </a:p>
@@ -413,7 +413,7 @@
           <a:p>
             <a:fld id="{F1F53264-0F48-4F49-9FF4-6A31D4E36D4A}" type="datetimeFigureOut">
               <a:rPr lang="en-US" smtClean="0"/>
-              <a:t>11/3/2024</a:t>
+              <a:t>1/19/2025</a:t>
             </a:fld>
             <a:endParaRPr lang="en-US"/>
           </a:p>
@@ -593,7 +593,7 @@
           <a:p>
             <a:fld id="{F1F53264-0F48-4F49-9FF4-6A31D4E36D4A}" type="datetimeFigureOut">
               <a:rPr lang="en-US" smtClean="0"/>
-              <a:t>11/3/2024</a:t>
+              <a:t>1/19/2025</a:t>
             </a:fld>
             <a:endParaRPr lang="en-US"/>
           </a:p>
@@ -763,7 +763,7 @@
           <a:p>
             <a:fld id="{F1F53264-0F48-4F49-9FF4-6A31D4E36D4A}" type="datetimeFigureOut">
               <a:rPr lang="en-US" smtClean="0"/>
-              <a:t>11/3/2024</a:t>
+              <a:t>1/19/2025</a:t>
             </a:fld>
             <a:endParaRPr lang="en-US"/>
           </a:p>
@@ -1009,7 +1009,7 @@
           <a:p>
             <a:fld id="{F1F53264-0F48-4F49-9FF4-6A31D4E36D4A}" type="datetimeFigureOut">
               <a:rPr lang="en-US" smtClean="0"/>
-              <a:t>11/3/2024</a:t>
+              <a:t>1/19/2025</a:t>
             </a:fld>
             <a:endParaRPr lang="en-US"/>
           </a:p>
@@ -1241,7 +1241,7 @@
           <a:p>
             <a:fld id="{F1F53264-0F48-4F49-9FF4-6A31D4E36D4A}" type="datetimeFigureOut">
               <a:rPr lang="en-US" smtClean="0"/>
-              <a:t>11/3/2024</a:t>
+              <a:t>1/19/2025</a:t>
             </a:fld>
             <a:endParaRPr lang="en-US"/>
           </a:p>
@@ -1608,7 +1608,7 @@
           <a:p>
             <a:fld id="{F1F53264-0F48-4F49-9FF4-6A31D4E36D4A}" type="datetimeFigureOut">
               <a:rPr lang="en-US" smtClean="0"/>
-              <a:t>11/3/2024</a:t>
+              <a:t>1/19/2025</a:t>
             </a:fld>
             <a:endParaRPr lang="en-US"/>
           </a:p>
@@ -1726,7 +1726,7 @@
           <a:p>
             <a:fld id="{F1F53264-0F48-4F49-9FF4-6A31D4E36D4A}" type="datetimeFigureOut">
               <a:rPr lang="en-US" smtClean="0"/>
-              <a:t>11/3/2024</a:t>
+              <a:t>1/19/2025</a:t>
             </a:fld>
             <a:endParaRPr lang="en-US"/>
           </a:p>
@@ -1821,7 +1821,7 @@
           <a:p>
             <a:fld id="{F1F53264-0F48-4F49-9FF4-6A31D4E36D4A}" type="datetimeFigureOut">
               <a:rPr lang="en-US" smtClean="0"/>
-              <a:t>11/3/2024</a:t>
+              <a:t>1/19/2025</a:t>
             </a:fld>
             <a:endParaRPr lang="en-US"/>
           </a:p>
@@ -2098,7 +2098,7 @@
           <a:p>
             <a:fld id="{F1F53264-0F48-4F49-9FF4-6A31D4E36D4A}" type="datetimeFigureOut">
               <a:rPr lang="en-US" smtClean="0"/>
-              <a:t>11/3/2024</a:t>
+              <a:t>1/19/2025</a:t>
             </a:fld>
             <a:endParaRPr lang="en-US"/>
           </a:p>
@@ -2355,7 +2355,7 @@
           <a:p>
             <a:fld id="{F1F53264-0F48-4F49-9FF4-6A31D4E36D4A}" type="datetimeFigureOut">
               <a:rPr lang="en-US" smtClean="0"/>
-              <a:t>11/3/2024</a:t>
+              <a:t>1/19/2025</a:t>
             </a:fld>
             <a:endParaRPr lang="en-US"/>
           </a:p>
@@ -2568,7 +2568,7 @@
           <a:p>
             <a:fld id="{F1F53264-0F48-4F49-9FF4-6A31D4E36D4A}" type="datetimeFigureOut">
               <a:rPr lang="en-US" smtClean="0"/>
-              <a:t>11/3/2024</a:t>
+              <a:t>1/19/2025</a:t>
             </a:fld>
             <a:endParaRPr lang="en-US"/>
           </a:p>
@@ -3014,9 +3014,9 @@
           <a:p>
             <a:pPr algn="ctr"/>
             <a:r>
-              <a:rPr lang="en-US" sz="1200" b="1" dirty="0">
-                <a:latin typeface="Courier New" panose="02070309020205020404" pitchFamily="49" charset="0"/>
-                <a:cs typeface="Courier New" panose="02070309020205020404" pitchFamily="49" charset="0"/>
+              <a:rPr lang="en-US" sz="1000" dirty="0">
+                <a:latin typeface="Arial" panose="020B0604020202020204" pitchFamily="34" charset="0"/>
+                <a:cs typeface="Arial" panose="020B0604020202020204" pitchFamily="34" charset="0"/>
               </a:rPr>
               <a:t>ELIFESURE: ONLINE RECRUITMENT SYSTEM</a:t>
             </a:r>
@@ -3066,9 +3066,9 @@
           <a:p>
             <a:pPr algn="ctr"/>
             <a:r>
-              <a:rPr lang="en-US" sz="1200" b="1" dirty="0">
-                <a:latin typeface="Courier New" panose="02070309020205020404" pitchFamily="49" charset="0"/>
-                <a:cs typeface="Courier New" panose="02070309020205020404" pitchFamily="49" charset="0"/>
+              <a:rPr lang="en-US" sz="1000" dirty="0">
+                <a:latin typeface="Arial" panose="020B0604020202020204" pitchFamily="34" charset="0"/>
+                <a:cs typeface="Arial" panose="020B0604020202020204" pitchFamily="34" charset="0"/>
               </a:rPr>
               <a:t>ADMIN</a:t>
             </a:r>
@@ -3118,9 +3118,9 @@
           <a:p>
             <a:pPr algn="ctr"/>
             <a:r>
-              <a:rPr lang="en-US" sz="1200" b="1" dirty="0">
-                <a:latin typeface="Courier New" panose="02070309020205020404" pitchFamily="49" charset="0"/>
-                <a:cs typeface="Courier New" panose="02070309020205020404" pitchFamily="49" charset="0"/>
+              <a:rPr lang="en-US" sz="1000" dirty="0">
+                <a:latin typeface="Arial" panose="020B0604020202020204" pitchFamily="34" charset="0"/>
+                <a:cs typeface="Arial" panose="020B0604020202020204" pitchFamily="34" charset="0"/>
               </a:rPr>
               <a:t>CLIENT</a:t>
             </a:r>
@@ -3170,9 +3170,9 @@
           <a:p>
             <a:pPr algn="ctr"/>
             <a:r>
-              <a:rPr lang="en-US" sz="1200" b="1" dirty="0">
-                <a:latin typeface="Courier New" panose="02070309020205020404" pitchFamily="49" charset="0"/>
-                <a:cs typeface="Courier New" panose="02070309020205020404" pitchFamily="49" charset="0"/>
+              <a:rPr lang="en-US" sz="1000" dirty="0">
+                <a:latin typeface="Arial" panose="020B0604020202020204" pitchFamily="34" charset="0"/>
+                <a:cs typeface="Arial" panose="020B0604020202020204" pitchFamily="34" charset="0"/>
               </a:rPr>
               <a:t>AGENT</a:t>
             </a:r>
@@ -3222,9 +3222,9 @@
           <a:p>
             <a:pPr algn="ctr"/>
             <a:r>
-              <a:rPr lang="en-US" sz="1200" b="1" dirty="0">
-                <a:latin typeface="Courier New" panose="02070309020205020404" pitchFamily="49" charset="0"/>
-                <a:cs typeface="Courier New" panose="02070309020205020404" pitchFamily="49" charset="0"/>
+              <a:rPr lang="en-US" sz="1000" dirty="0">
+                <a:latin typeface="Arial" panose="020B0604020202020204" pitchFamily="34" charset="0"/>
+                <a:cs typeface="Arial" panose="020B0604020202020204" pitchFamily="34" charset="0"/>
               </a:rPr>
               <a:t>APPLICANT</a:t>
             </a:r>
@@ -3887,7 +3887,7 @@
           <a:lstStyle/>
           <a:p>
             <a:r>
-              <a:rPr lang="en-US" sz="1200" dirty="0">
+              <a:rPr lang="en-US" sz="900" dirty="0">
                 <a:solidFill>
                   <a:schemeClr val="tx1"/>
                 </a:solidFill>
@@ -3954,7 +3954,7 @@
           <a:lstStyle/>
           <a:p>
             <a:r>
-              <a:rPr lang="en-US" sz="1200" dirty="0">
+              <a:rPr lang="en-US" sz="900" dirty="0">
                 <a:solidFill>
                   <a:schemeClr val="tx1"/>
                 </a:solidFill>
@@ -4021,7 +4021,7 @@
           <a:lstStyle/>
           <a:p>
             <a:r>
-              <a:rPr lang="en-US" sz="1200">
+              <a:rPr lang="en-US" sz="900">
                 <a:solidFill>
                   <a:schemeClr val="tx1"/>
                 </a:solidFill>
@@ -4030,7 +4030,7 @@
               </a:rPr>
               <a:t>Admin Profile</a:t>
             </a:r>
-            <a:endParaRPr lang="en-US" sz="1200" dirty="0">
+            <a:endParaRPr lang="en-US" sz="900" dirty="0">
               <a:solidFill>
                 <a:schemeClr val="tx1"/>
               </a:solidFill>
@@ -4095,7 +4095,7 @@
           <a:lstStyle/>
           <a:p>
             <a:r>
-              <a:rPr lang="en-US" sz="1200" dirty="0">
+              <a:rPr lang="en-US" sz="900" dirty="0">
                 <a:solidFill>
                   <a:schemeClr val="tx1"/>
                 </a:solidFill>
@@ -4162,7 +4162,7 @@
           <a:lstStyle/>
           <a:p>
             <a:r>
-              <a:rPr lang="en-US" sz="1200" dirty="0">
+              <a:rPr lang="en-US" sz="900" dirty="0">
                 <a:solidFill>
                   <a:schemeClr val="tx1"/>
                 </a:solidFill>
@@ -4229,7 +4229,7 @@
           <a:lstStyle/>
           <a:p>
             <a:r>
-              <a:rPr lang="en-US" sz="1200" dirty="0">
+              <a:rPr lang="en-US" sz="900" dirty="0">
                 <a:solidFill>
                   <a:schemeClr val="tx1"/>
                 </a:solidFill>
@@ -4425,7 +4425,7 @@
           <a:lstStyle/>
           <a:p>
             <a:r>
-              <a:rPr lang="en-US" sz="1200" dirty="0">
+              <a:rPr lang="en-US" sz="900" dirty="0">
                 <a:solidFill>
                   <a:schemeClr val="tx1"/>
                 </a:solidFill>
@@ -4492,7 +4492,7 @@
           <a:lstStyle/>
           <a:p>
             <a:r>
-              <a:rPr lang="en-US" sz="1200" dirty="0">
+              <a:rPr lang="en-US" sz="900" dirty="0">
                 <a:solidFill>
                   <a:schemeClr val="tx1"/>
                 </a:solidFill>
@@ -4559,7 +4559,7 @@
           <a:lstStyle/>
           <a:p>
             <a:r>
-              <a:rPr lang="en-US" sz="1200" dirty="0">
+              <a:rPr lang="en-US" sz="900" dirty="0">
                 <a:solidFill>
                   <a:schemeClr val="tx1"/>
                 </a:solidFill>
@@ -4626,7 +4626,7 @@
           <a:lstStyle/>
           <a:p>
             <a:r>
-              <a:rPr lang="en-US" sz="1200" dirty="0">
+              <a:rPr lang="en-US" sz="900" dirty="0">
                 <a:solidFill>
                   <a:schemeClr val="tx1"/>
                 </a:solidFill>
@@ -4693,7 +4693,7 @@
           <a:lstStyle/>
           <a:p>
             <a:r>
-              <a:rPr lang="en-US" sz="1050" dirty="0">
+              <a:rPr lang="en-US" sz="900" dirty="0">
                 <a:solidFill>
                   <a:schemeClr val="tx1"/>
                 </a:solidFill>
@@ -4760,7 +4760,7 @@
           <a:lstStyle/>
           <a:p>
             <a:r>
-              <a:rPr lang="en-US" sz="1200" dirty="0">
+              <a:rPr lang="en-US" sz="900" dirty="0">
                 <a:solidFill>
                   <a:schemeClr val="tx1"/>
                 </a:solidFill>
@@ -4827,7 +4827,7 @@
           <a:lstStyle/>
           <a:p>
             <a:r>
-              <a:rPr lang="en-US" sz="1200" dirty="0">
+              <a:rPr lang="en-US" sz="900" dirty="0">
                 <a:solidFill>
                   <a:schemeClr val="tx1"/>
                 </a:solidFill>
@@ -4894,7 +4894,7 @@
           <a:lstStyle/>
           <a:p>
             <a:r>
-              <a:rPr lang="en-US" sz="1200" dirty="0">
+              <a:rPr lang="en-US" sz="900" dirty="0">
                 <a:solidFill>
                   <a:schemeClr val="tx1"/>
                 </a:solidFill>
@@ -4921,7 +4921,7 @@
         <p:spPr>
           <a:xfrm>
             <a:off x="4128920" y="3368996"/>
-            <a:ext cx="2071600" cy="241574"/>
+            <a:ext cx="1316502" cy="241574"/>
           </a:xfrm>
           <a:prstGeom prst="rect">
             <a:avLst/>
@@ -4961,7 +4961,7 @@
           <a:lstStyle/>
           <a:p>
             <a:r>
-              <a:rPr lang="en-US" sz="1200" dirty="0">
+              <a:rPr lang="en-US" sz="900" dirty="0">
                 <a:solidFill>
                   <a:schemeClr val="tx1"/>
                 </a:solidFill>
@@ -4988,7 +4988,7 @@
         <p:spPr>
           <a:xfrm>
             <a:off x="3975513" y="3583239"/>
-            <a:ext cx="2071600" cy="241574"/>
+            <a:ext cx="1577566" cy="241574"/>
           </a:xfrm>
           <a:prstGeom prst="rect">
             <a:avLst/>
@@ -5028,7 +5028,7 @@
           <a:lstStyle/>
           <a:p>
             <a:r>
-              <a:rPr lang="en-US" sz="1200" dirty="0">
+              <a:rPr lang="en-US" sz="900" dirty="0">
                 <a:solidFill>
                   <a:schemeClr val="tx1"/>
                 </a:solidFill>
@@ -5128,10 +5128,12 @@
           <a:p>
             <a:pPr algn="ctr"/>
             <a:r>
-              <a:rPr lang="en-US" dirty="0">
+              <a:rPr lang="en-US" sz="900" dirty="0">
                 <a:solidFill>
                   <a:schemeClr val="tx1"/>
                 </a:solidFill>
+                <a:latin typeface="Arial" panose="020B0604020202020204" pitchFamily="34" charset="0"/>
+                <a:cs typeface="Arial" panose="020B0604020202020204" pitchFamily="34" charset="0"/>
               </a:rPr>
               <a:t>0</a:t>
             </a:r>
@@ -5279,7 +5281,7 @@
           <a:lstStyle/>
           <a:p>
             <a:r>
-              <a:rPr lang="en-US" sz="1050" dirty="0">
+              <a:rPr lang="en-US" sz="900" dirty="0">
                 <a:solidFill>
                   <a:schemeClr val="tx1"/>
                 </a:solidFill>
@@ -5289,7 +5291,7 @@
               <a:t>Generate </a:t>
             </a:r>
             <a:r>
-              <a:rPr lang="en-US" sz="1050" dirty="0" err="1">
+              <a:rPr lang="en-US" sz="900" dirty="0" err="1">
                 <a:solidFill>
                   <a:schemeClr val="tx1"/>
                 </a:solidFill>
@@ -5298,7 +5300,7 @@
               </a:rPr>
               <a:t>Qr</a:t>
             </a:r>
-            <a:endParaRPr lang="en-US" sz="1050" dirty="0">
+            <a:endParaRPr lang="en-US" sz="900" dirty="0">
               <a:solidFill>
                 <a:schemeClr val="tx1"/>
               </a:solidFill>
@@ -5363,7 +5365,7 @@
           <a:lstStyle/>
           <a:p>
             <a:r>
-              <a:rPr lang="en-US" sz="1050" dirty="0">
+              <a:rPr lang="en-US" sz="900" dirty="0">
                 <a:solidFill>
                   <a:schemeClr val="tx1"/>
                 </a:solidFill>
@@ -5430,7 +5432,7 @@
           <a:lstStyle/>
           <a:p>
             <a:r>
-              <a:rPr lang="en-US" sz="1050" dirty="0">
+              <a:rPr lang="en-US" sz="900" dirty="0">
                 <a:solidFill>
                   <a:schemeClr val="tx1"/>
                 </a:solidFill>
@@ -5458,12 +5460,12 @@
         </p:nvCxnSpPr>
         <p:spPr>
           <a:xfrm rot="10800000" flipV="1">
-            <a:off x="2111265" y="3069066"/>
-            <a:ext cx="1521245" cy="902294"/>
+            <a:off x="2070921" y="3069066"/>
+            <a:ext cx="1561590" cy="902294"/>
           </a:xfrm>
           <a:prstGeom prst="bentConnector3">
             <a:avLst>
-              <a:gd name="adj1" fmla="val -1001"/>
+              <a:gd name="adj1" fmla="val 1204"/>
             </a:avLst>
           </a:prstGeom>
           <a:ln>
@@ -5540,7 +5542,7 @@
           <a:lstStyle/>
           <a:p>
             <a:r>
-              <a:rPr lang="en-US" sz="1200" dirty="0">
+              <a:rPr lang="en-US" sz="900" dirty="0">
                 <a:solidFill>
                   <a:schemeClr val="tx1"/>
                 </a:solidFill>
@@ -5650,7 +5652,7 @@
           <a:lstStyle/>
           <a:p>
             <a:r>
-              <a:rPr lang="en-US" sz="1200" dirty="0">
+              <a:rPr lang="en-US" sz="900" dirty="0">
                 <a:solidFill>
                   <a:schemeClr val="tx1"/>
                 </a:solidFill>
